--- a/figs/intro.pptx
+++ b/figs/intro.pptx
@@ -210,7 +210,7 @@
             <a:fld id="{380D8660-F07B-498C-938B-4796F5F0F2DB}" type="datetimeFigureOut">
               <a:rPr lang="en-US" smtClean="0"/>
               <a:pPr/>
-              <a:t>3/11/19</a:t>
+              <a:t>3/14/19</a:t>
             </a:fld>
             <a:endParaRPr lang="en-US"/>
           </a:p>
@@ -3730,7 +3730,7 @@
           </a:ln>
           <a:extLst>
             <a:ext uri="{C572A759-6A51-4108-AA02-DFA0A04FC94B}">
-              <ma14:wrappingTextBoxFlag xmlns:ma14="http://schemas.microsoft.com/office/mac/drawingml/2011/main" xmlns:a14="http://schemas.microsoft.com/office/drawing/2010/main" xmlns:m="http://schemas.openxmlformats.org/officeDocument/2006/math" xmlns="" val="1"/>
+              <ma14:wrappingTextBoxFlag xmlns="" xmlns:m="http://schemas.openxmlformats.org/officeDocument/2006/math" xmlns:a14="http://schemas.microsoft.com/office/drawing/2010/main" xmlns:ma14="http://schemas.microsoft.com/office/mac/drawingml/2011/main" val="1"/>
             </a:ext>
           </a:extLst>
         </p:spPr>
@@ -3757,7 +3757,7 @@
                   <a:schemeClr val="tx1"/>
                 </a:solidFill>
               </a:rPr>
-              <a:t>CPU-local Machine</a:t>
+              <a:t>Per-CPU Machine</a:t>
             </a:r>
             <a:endParaRPr sz="1846" dirty="0">
               <a:solidFill>
@@ -3802,7 +3802,7 @@
           <a:effectLst/>
           <a:extLst>
             <a:ext uri="{C572A759-6A51-4108-AA02-DFA0A04FC94B}">
-              <ma14:wrappingTextBoxFlag xmlns:ma14="http://schemas.microsoft.com/office/mac/drawingml/2011/main" xmlns:a14="http://schemas.microsoft.com/office/drawing/2010/main" xmlns:m="http://schemas.openxmlformats.org/officeDocument/2006/math" xmlns="" val="1"/>
+              <ma14:wrappingTextBoxFlag xmlns="" xmlns:m="http://schemas.openxmlformats.org/officeDocument/2006/math" xmlns:a14="http://schemas.microsoft.com/office/drawing/2010/main" xmlns:ma14="http://schemas.microsoft.com/office/mac/drawingml/2011/main" val="1"/>
             </a:ext>
           </a:extLst>
         </p:spPr>
@@ -3826,20 +3826,20 @@
           <a:p>
             <a:pPr algn="ctr"/>
             <a:r>
-              <a:rPr lang="en-US" sz="1582" dirty="0">
+              <a:rPr lang="en-US" sz="1582">
                 <a:solidFill>
                   <a:schemeClr val="tx1"/>
                 </a:solidFill>
               </a:rPr>
-              <a:t>T</a:t>
-            </a:r>
-            <a:r>
-              <a:rPr sz="1582" dirty="0">
+              <a:t>Per-thread</a:t>
+            </a:r>
+            <a:r>
+              <a:rPr sz="1582">
                 <a:solidFill>
                   <a:schemeClr val="tx1"/>
                 </a:solidFill>
               </a:rPr>
-              <a:t>hread-local </a:t>
+              <a:t> </a:t>
             </a:r>
             <a:r>
               <a:rPr lang="en-US" sz="1582" dirty="0">
@@ -4415,7 +4415,7 @@
           </a:ln>
           <a:extLst>
             <a:ext uri="{C572A759-6A51-4108-AA02-DFA0A04FC94B}">
-              <ma14:wrappingTextBoxFlag xmlns:ma14="http://schemas.microsoft.com/office/mac/drawingml/2011/main" xmlns:a14="http://schemas.microsoft.com/office/drawing/2010/main" xmlns:m="http://schemas.openxmlformats.org/officeDocument/2006/math" xmlns="" val="1"/>
+              <ma14:wrappingTextBoxFlag xmlns="" xmlns:m="http://schemas.openxmlformats.org/officeDocument/2006/math" xmlns:a14="http://schemas.microsoft.com/office/drawing/2010/main" xmlns:ma14="http://schemas.microsoft.com/office/mac/drawingml/2011/main" val="1"/>
             </a:ext>
           </a:extLst>
         </p:spPr>
@@ -4519,7 +4519,7 @@
           </a:ln>
           <a:extLst>
             <a:ext uri="{C572A759-6A51-4108-AA02-DFA0A04FC94B}">
-              <ma14:wrappingTextBoxFlag xmlns:ma14="http://schemas.microsoft.com/office/mac/drawingml/2011/main" xmlns:a14="http://schemas.microsoft.com/office/drawing/2010/main" xmlns:m="http://schemas.openxmlformats.org/officeDocument/2006/math" xmlns="" val="1"/>
+              <ma14:wrappingTextBoxFlag xmlns="" xmlns:m="http://schemas.openxmlformats.org/officeDocument/2006/math" xmlns:a14="http://schemas.microsoft.com/office/drawing/2010/main" xmlns:ma14="http://schemas.microsoft.com/office/mac/drawingml/2011/main" val="1"/>
             </a:ext>
           </a:extLst>
         </p:spPr>
@@ -4690,7 +4690,7 @@
           <a:effectLst/>
           <a:extLst>
             <a:ext uri="{C572A759-6A51-4108-AA02-DFA0A04FC94B}">
-              <ma14:wrappingTextBoxFlag xmlns:ma14="http://schemas.microsoft.com/office/mac/drawingml/2011/main" xmlns:a14="http://schemas.microsoft.com/office/drawing/2010/main" xmlns:m="http://schemas.openxmlformats.org/officeDocument/2006/math" xmlns="" val="1"/>
+              <ma14:wrappingTextBoxFlag xmlns="" xmlns:m="http://schemas.openxmlformats.org/officeDocument/2006/math" xmlns:a14="http://schemas.microsoft.com/office/drawing/2010/main" xmlns:ma14="http://schemas.microsoft.com/office/mac/drawingml/2011/main" val="1"/>
             </a:ext>
           </a:extLst>
         </p:spPr>
@@ -4810,7 +4810,7 @@
           <a:effectLst/>
           <a:extLst>
             <a:ext uri="{C572A759-6A51-4108-AA02-DFA0A04FC94B}">
-              <ma14:wrappingTextBoxFlag xmlns:ma14="http://schemas.microsoft.com/office/mac/drawingml/2011/main" xmlns:a14="http://schemas.microsoft.com/office/drawing/2010/main" xmlns:m="http://schemas.openxmlformats.org/officeDocument/2006/math" xmlns="" val="1"/>
+              <ma14:wrappingTextBoxFlag xmlns="" xmlns:m="http://schemas.openxmlformats.org/officeDocument/2006/math" xmlns:a14="http://schemas.microsoft.com/office/drawing/2010/main" xmlns:ma14="http://schemas.microsoft.com/office/mac/drawingml/2011/main" val="1"/>
             </a:ext>
           </a:extLst>
         </p:spPr>
@@ -4930,7 +4930,7 @@
           <a:effectLst/>
           <a:extLst>
             <a:ext uri="{C572A759-6A51-4108-AA02-DFA0A04FC94B}">
-              <ma14:wrappingTextBoxFlag xmlns:ma14="http://schemas.microsoft.com/office/mac/drawingml/2011/main" xmlns:a14="http://schemas.microsoft.com/office/drawing/2010/main" xmlns:m="http://schemas.openxmlformats.org/officeDocument/2006/math" xmlns="" val="1"/>
+              <ma14:wrappingTextBoxFlag xmlns="" xmlns:m="http://schemas.openxmlformats.org/officeDocument/2006/math" xmlns:a14="http://schemas.microsoft.com/office/drawing/2010/main" xmlns:ma14="http://schemas.microsoft.com/office/mac/drawingml/2011/main" val="1"/>
             </a:ext>
           </a:extLst>
         </p:spPr>
@@ -5050,7 +5050,7 @@
           <a:effectLst/>
           <a:extLst>
             <a:ext uri="{C572A759-6A51-4108-AA02-DFA0A04FC94B}">
-              <ma14:wrappingTextBoxFlag xmlns:ma14="http://schemas.microsoft.com/office/mac/drawingml/2011/main" xmlns:a14="http://schemas.microsoft.com/office/drawing/2010/main" xmlns:m="http://schemas.openxmlformats.org/officeDocument/2006/math" xmlns="" val="1"/>
+              <ma14:wrappingTextBoxFlag xmlns="" xmlns:m="http://schemas.openxmlformats.org/officeDocument/2006/math" xmlns:a14="http://schemas.microsoft.com/office/drawing/2010/main" xmlns:ma14="http://schemas.microsoft.com/office/mac/drawingml/2011/main" val="1"/>
             </a:ext>
           </a:extLst>
         </p:spPr>
@@ -5170,7 +5170,7 @@
           <a:effectLst/>
           <a:extLst>
             <a:ext uri="{C572A759-6A51-4108-AA02-DFA0A04FC94B}">
-              <ma14:wrappingTextBoxFlag xmlns:ma14="http://schemas.microsoft.com/office/mac/drawingml/2011/main" xmlns:a14="http://schemas.microsoft.com/office/drawing/2010/main" xmlns:m="http://schemas.openxmlformats.org/officeDocument/2006/math" xmlns="" val="1"/>
+              <ma14:wrappingTextBoxFlag xmlns="" xmlns:m="http://schemas.openxmlformats.org/officeDocument/2006/math" xmlns:a14="http://schemas.microsoft.com/office/drawing/2010/main" xmlns:ma14="http://schemas.microsoft.com/office/mac/drawingml/2011/main" val="1"/>
             </a:ext>
           </a:extLst>
         </p:spPr>
@@ -5290,7 +5290,7 @@
           <a:effectLst/>
           <a:extLst>
             <a:ext uri="{C572A759-6A51-4108-AA02-DFA0A04FC94B}">
-              <ma14:wrappingTextBoxFlag xmlns:ma14="http://schemas.microsoft.com/office/mac/drawingml/2011/main" xmlns:a14="http://schemas.microsoft.com/office/drawing/2010/main" xmlns:m="http://schemas.openxmlformats.org/officeDocument/2006/math" xmlns="" val="1"/>
+              <ma14:wrappingTextBoxFlag xmlns="" xmlns:m="http://schemas.openxmlformats.org/officeDocument/2006/math" xmlns:a14="http://schemas.microsoft.com/office/drawing/2010/main" xmlns:ma14="http://schemas.microsoft.com/office/mac/drawingml/2011/main" val="1"/>
             </a:ext>
           </a:extLst>
         </p:spPr>
@@ -5668,7 +5668,7 @@
           </a:ln>
           <a:extLst>
             <a:ext uri="{C572A759-6A51-4108-AA02-DFA0A04FC94B}">
-              <ma14:wrappingTextBoxFlag xmlns:ma14="http://schemas.microsoft.com/office/mac/drawingml/2011/main" xmlns:a14="http://schemas.microsoft.com/office/drawing/2010/main" xmlns:m="http://schemas.openxmlformats.org/officeDocument/2006/math" xmlns="" val="1"/>
+              <ma14:wrappingTextBoxFlag xmlns="" xmlns:m="http://schemas.openxmlformats.org/officeDocument/2006/math" xmlns:a14="http://schemas.microsoft.com/office/drawing/2010/main" xmlns:ma14="http://schemas.microsoft.com/office/mac/drawingml/2011/main" val="1"/>
             </a:ext>
           </a:extLst>
         </p:spPr>
@@ -6109,8 +6109,8 @@
           </a:p>
         </p:txBody>
       </p:sp>
-      <mc:AlternateContent xmlns:mc="http://schemas.openxmlformats.org/markup-compatibility/2006">
-        <mc:Choice xmlns:a14="http://schemas.microsoft.com/office/drawing/2010/main" Requires="a14">
+      <mc:AlternateContent xmlns:mc="http://schemas.openxmlformats.org/markup-compatibility/2006" xmlns:a14="http://schemas.microsoft.com/office/drawing/2010/main">
+        <mc:Choice Requires="a14">
           <p:sp>
             <p:nvSpPr>
               <p:cNvPr id="2" name="TextBox 1">
@@ -6139,6 +6139,7 @@
               </a:bodyPr>
               <a:lstStyle/>
               <a:p>
+                <a:pPr/>
                 <a14:m>
                   <m:oMathPara xmlns:m="http://schemas.openxmlformats.org/officeDocument/2006/math">
                     <m:oMathParaPr>
@@ -6159,7 +6160,7 @@
             </p:txBody>
           </p:sp>
         </mc:Choice>
-        <mc:Fallback>
+        <mc:Fallback xmlns="">
           <p:sp>
             <p:nvSpPr>
               <p:cNvPr id="2" name="TextBox 1">
@@ -6204,8 +6205,8 @@
           </p:sp>
         </mc:Fallback>
       </mc:AlternateContent>
-      <mc:AlternateContent xmlns:mc="http://schemas.openxmlformats.org/markup-compatibility/2006">
-        <mc:Choice xmlns:a14="http://schemas.microsoft.com/office/drawing/2010/main" Requires="a14">
+      <mc:AlternateContent xmlns:mc="http://schemas.openxmlformats.org/markup-compatibility/2006" xmlns:a14="http://schemas.microsoft.com/office/drawing/2010/main">
+        <mc:Choice Requires="a14">
           <p:sp>
             <p:nvSpPr>
               <p:cNvPr id="46" name="TextBox 45">
@@ -6234,6 +6235,7 @@
               </a:bodyPr>
               <a:lstStyle/>
               <a:p>
+                <a:pPr/>
                 <a14:m>
                   <m:oMathPara xmlns:m="http://schemas.openxmlformats.org/officeDocument/2006/math">
                     <m:oMathParaPr>
@@ -6254,7 +6256,7 @@
             </p:txBody>
           </p:sp>
         </mc:Choice>
-        <mc:Fallback>
+        <mc:Fallback xmlns="">
           <p:sp>
             <p:nvSpPr>
               <p:cNvPr id="46" name="TextBox 45">
@@ -6299,8 +6301,8 @@
           </p:sp>
         </mc:Fallback>
       </mc:AlternateContent>
-      <mc:AlternateContent xmlns:mc="http://schemas.openxmlformats.org/markup-compatibility/2006">
-        <mc:Choice xmlns:a14="http://schemas.microsoft.com/office/drawing/2010/main" Requires="a14">
+      <mc:AlternateContent xmlns:mc="http://schemas.openxmlformats.org/markup-compatibility/2006" xmlns:a14="http://schemas.microsoft.com/office/drawing/2010/main">
+        <mc:Choice Requires="a14">
           <p:sp>
             <p:nvSpPr>
               <p:cNvPr id="47" name="TextBox 46">
@@ -6329,6 +6331,7 @@
               </a:bodyPr>
               <a:lstStyle/>
               <a:p>
+                <a:pPr/>
                 <a14:m>
                   <m:oMathPara xmlns:m="http://schemas.openxmlformats.org/officeDocument/2006/math">
                     <m:oMathParaPr>
@@ -6349,7 +6352,7 @@
             </p:txBody>
           </p:sp>
         </mc:Choice>
-        <mc:Fallback>
+        <mc:Fallback xmlns="">
           <p:sp>
             <p:nvSpPr>
               <p:cNvPr id="47" name="TextBox 46">
@@ -6500,7 +6503,7 @@
           </a:ln>
           <a:extLst>
             <a:ext uri="{C572A759-6A51-4108-AA02-DFA0A04FC94B}">
-              <ma14:wrappingTextBoxFlag xmlns:ma14="http://schemas.microsoft.com/office/mac/drawingml/2011/main" xmlns:a14="http://schemas.microsoft.com/office/drawing/2010/main" xmlns:m="http://schemas.openxmlformats.org/officeDocument/2006/math" xmlns="" val="1"/>
+              <ma14:wrappingTextBoxFlag xmlns="" xmlns:m="http://schemas.openxmlformats.org/officeDocument/2006/math" xmlns:a14="http://schemas.microsoft.com/office/drawing/2010/main" xmlns:ma14="http://schemas.microsoft.com/office/mac/drawingml/2011/main" val="1"/>
             </a:ext>
           </a:extLst>
         </p:spPr>
@@ -6572,7 +6575,7 @@
           <a:effectLst/>
           <a:extLst>
             <a:ext uri="{C572A759-6A51-4108-AA02-DFA0A04FC94B}">
-              <ma14:wrappingTextBoxFlag xmlns:ma14="http://schemas.microsoft.com/office/mac/drawingml/2011/main" xmlns:a14="http://schemas.microsoft.com/office/drawing/2010/main" xmlns:m="http://schemas.openxmlformats.org/officeDocument/2006/math" xmlns="" val="1"/>
+              <ma14:wrappingTextBoxFlag xmlns="" xmlns:m="http://schemas.openxmlformats.org/officeDocument/2006/math" xmlns:a14="http://schemas.microsoft.com/office/drawing/2010/main" xmlns:ma14="http://schemas.microsoft.com/office/mac/drawingml/2011/main" val="1"/>
             </a:ext>
           </a:extLst>
         </p:spPr>
@@ -7230,7 +7233,7 @@
           </a:ln>
           <a:extLst>
             <a:ext uri="{C572A759-6A51-4108-AA02-DFA0A04FC94B}">
-              <ma14:wrappingTextBoxFlag xmlns:ma14="http://schemas.microsoft.com/office/mac/drawingml/2011/main" xmlns:a14="http://schemas.microsoft.com/office/drawing/2010/main" xmlns:m="http://schemas.openxmlformats.org/officeDocument/2006/math" xmlns="" val="1"/>
+              <ma14:wrappingTextBoxFlag xmlns="" xmlns:m="http://schemas.openxmlformats.org/officeDocument/2006/math" xmlns:a14="http://schemas.microsoft.com/office/drawing/2010/main" xmlns:ma14="http://schemas.microsoft.com/office/mac/drawingml/2011/main" val="1"/>
             </a:ext>
           </a:extLst>
         </p:spPr>
@@ -7334,7 +7337,7 @@
           </a:ln>
           <a:extLst>
             <a:ext uri="{C572A759-6A51-4108-AA02-DFA0A04FC94B}">
-              <ma14:wrappingTextBoxFlag xmlns:ma14="http://schemas.microsoft.com/office/mac/drawingml/2011/main" xmlns:a14="http://schemas.microsoft.com/office/drawing/2010/main" xmlns:m="http://schemas.openxmlformats.org/officeDocument/2006/math" xmlns="" val="1"/>
+              <ma14:wrappingTextBoxFlag xmlns="" xmlns:m="http://schemas.openxmlformats.org/officeDocument/2006/math" xmlns:a14="http://schemas.microsoft.com/office/drawing/2010/main" xmlns:ma14="http://schemas.microsoft.com/office/mac/drawingml/2011/main" val="1"/>
             </a:ext>
           </a:extLst>
         </p:spPr>
@@ -7505,7 +7508,7 @@
           <a:effectLst/>
           <a:extLst>
             <a:ext uri="{C572A759-6A51-4108-AA02-DFA0A04FC94B}">
-              <ma14:wrappingTextBoxFlag xmlns:ma14="http://schemas.microsoft.com/office/mac/drawingml/2011/main" xmlns:a14="http://schemas.microsoft.com/office/drawing/2010/main" xmlns:m="http://schemas.openxmlformats.org/officeDocument/2006/math" xmlns="" val="1"/>
+              <ma14:wrappingTextBoxFlag xmlns="" xmlns:m="http://schemas.openxmlformats.org/officeDocument/2006/math" xmlns:a14="http://schemas.microsoft.com/office/drawing/2010/main" xmlns:ma14="http://schemas.microsoft.com/office/mac/drawingml/2011/main" val="1"/>
             </a:ext>
           </a:extLst>
         </p:spPr>
@@ -7625,7 +7628,7 @@
           <a:effectLst/>
           <a:extLst>
             <a:ext uri="{C572A759-6A51-4108-AA02-DFA0A04FC94B}">
-              <ma14:wrappingTextBoxFlag xmlns:ma14="http://schemas.microsoft.com/office/mac/drawingml/2011/main" xmlns:a14="http://schemas.microsoft.com/office/drawing/2010/main" xmlns:m="http://schemas.openxmlformats.org/officeDocument/2006/math" xmlns="" val="1"/>
+              <ma14:wrappingTextBoxFlag xmlns="" xmlns:m="http://schemas.openxmlformats.org/officeDocument/2006/math" xmlns:a14="http://schemas.microsoft.com/office/drawing/2010/main" xmlns:ma14="http://schemas.microsoft.com/office/mac/drawingml/2011/main" val="1"/>
             </a:ext>
           </a:extLst>
         </p:spPr>
@@ -7745,7 +7748,7 @@
           <a:effectLst/>
           <a:extLst>
             <a:ext uri="{C572A759-6A51-4108-AA02-DFA0A04FC94B}">
-              <ma14:wrappingTextBoxFlag xmlns:ma14="http://schemas.microsoft.com/office/mac/drawingml/2011/main" xmlns:a14="http://schemas.microsoft.com/office/drawing/2010/main" xmlns:m="http://schemas.openxmlformats.org/officeDocument/2006/math" xmlns="" val="1"/>
+              <ma14:wrappingTextBoxFlag xmlns="" xmlns:m="http://schemas.openxmlformats.org/officeDocument/2006/math" xmlns:a14="http://schemas.microsoft.com/office/drawing/2010/main" xmlns:ma14="http://schemas.microsoft.com/office/mac/drawingml/2011/main" val="1"/>
             </a:ext>
           </a:extLst>
         </p:spPr>
@@ -7865,7 +7868,7 @@
           <a:effectLst/>
           <a:extLst>
             <a:ext uri="{C572A759-6A51-4108-AA02-DFA0A04FC94B}">
-              <ma14:wrappingTextBoxFlag xmlns:ma14="http://schemas.microsoft.com/office/mac/drawingml/2011/main" xmlns:a14="http://schemas.microsoft.com/office/drawing/2010/main" xmlns:m="http://schemas.openxmlformats.org/officeDocument/2006/math" xmlns="" val="1"/>
+              <ma14:wrappingTextBoxFlag xmlns="" xmlns:m="http://schemas.openxmlformats.org/officeDocument/2006/math" xmlns:a14="http://schemas.microsoft.com/office/drawing/2010/main" xmlns:ma14="http://schemas.microsoft.com/office/mac/drawingml/2011/main" val="1"/>
             </a:ext>
           </a:extLst>
         </p:spPr>
@@ -7985,7 +7988,7 @@
           <a:effectLst/>
           <a:extLst>
             <a:ext uri="{C572A759-6A51-4108-AA02-DFA0A04FC94B}">
-              <ma14:wrappingTextBoxFlag xmlns:ma14="http://schemas.microsoft.com/office/mac/drawingml/2011/main" xmlns:a14="http://schemas.microsoft.com/office/drawing/2010/main" xmlns:m="http://schemas.openxmlformats.org/officeDocument/2006/math" xmlns="" val="1"/>
+              <ma14:wrappingTextBoxFlag xmlns="" xmlns:m="http://schemas.openxmlformats.org/officeDocument/2006/math" xmlns:a14="http://schemas.microsoft.com/office/drawing/2010/main" xmlns:ma14="http://schemas.microsoft.com/office/mac/drawingml/2011/main" val="1"/>
             </a:ext>
           </a:extLst>
         </p:spPr>
@@ -8105,7 +8108,7 @@
           <a:effectLst/>
           <a:extLst>
             <a:ext uri="{C572A759-6A51-4108-AA02-DFA0A04FC94B}">
-              <ma14:wrappingTextBoxFlag xmlns:ma14="http://schemas.microsoft.com/office/mac/drawingml/2011/main" xmlns:a14="http://schemas.microsoft.com/office/drawing/2010/main" xmlns:m="http://schemas.openxmlformats.org/officeDocument/2006/math" xmlns="" val="1"/>
+              <ma14:wrappingTextBoxFlag xmlns="" xmlns:m="http://schemas.openxmlformats.org/officeDocument/2006/math" xmlns:a14="http://schemas.microsoft.com/office/drawing/2010/main" xmlns:ma14="http://schemas.microsoft.com/office/mac/drawingml/2011/main" val="1"/>
             </a:ext>
           </a:extLst>
         </p:spPr>
@@ -8695,7 +8698,7 @@
           </a:ln>
           <a:extLst>
             <a:ext uri="{C572A759-6A51-4108-AA02-DFA0A04FC94B}">
-              <ma14:wrappingTextBoxFlag xmlns:ma14="http://schemas.microsoft.com/office/mac/drawingml/2011/main" xmlns:a14="http://schemas.microsoft.com/office/drawing/2010/main" xmlns:m="http://schemas.openxmlformats.org/officeDocument/2006/math" xmlns="" val="1"/>
+              <ma14:wrappingTextBoxFlag xmlns="" xmlns:m="http://schemas.openxmlformats.org/officeDocument/2006/math" xmlns:a14="http://schemas.microsoft.com/office/drawing/2010/main" xmlns:ma14="http://schemas.microsoft.com/office/mac/drawingml/2011/main" val="1"/>
             </a:ext>
           </a:extLst>
         </p:spPr>
